--- a/Documentacion/One page.pptx
+++ b/Documentacion/One page.pptx
@@ -109,6 +109,11 @@
       </a:defRPr>
     </a:lvl9pPr>
   </p:defaultTextStyle>
+  <p:extLst>
+    <p:ext uri="{EFAFB233-063F-42B5-8137-9DF3F51BA10A}">
+      <p15:sldGuideLst xmlns:p15="http://schemas.microsoft.com/office/powerpoint/2012/main"/>
+    </p:ext>
+  </p:extLst>
 </p:presentation>
 </file>
 
@@ -898,7 +903,7 @@
 <dgm:dataModel xmlns:dgm="http://schemas.openxmlformats.org/drawingml/2006/diagram" xmlns:a="http://schemas.openxmlformats.org/drawingml/2006/main">
   <dgm:ptLst>
     <dgm:pt modelId="{D786A0C4-371C-482A-BB5B-90BB38B43E26}" type="doc">
-      <dgm:prSet loTypeId="urn:microsoft.com/office/officeart/2005/8/layout/default" loCatId="list" qsTypeId="urn:microsoft.com/office/officeart/2005/8/quickstyle/simple1" qsCatId="simple" csTypeId="urn:microsoft.com/office/officeart/2005/8/colors/colorful2" csCatId="colorful"/>
+      <dgm:prSet loTypeId="urn:microsoft.com/office/officeart/2005/8/layout/default" loCatId="list" qsTypeId="urn:microsoft.com/office/officeart/2005/8/quickstyle/simple1" qsCatId="simple" csTypeId="urn:microsoft.com/office/officeart/2005/8/colors/colorful2" csCatId="colorful" phldr="1"/>
       <dgm:spPr/>
       <dgm:t>
         <a:bodyPr/>
@@ -1101,10 +1106,30 @@
         <a:lstStyle/>
         <a:p>
           <a:r>
-            <a:rPr lang="es-MX"/>
-            <a:t>Gerardo: main characte/background</a:t>
+            <a:rPr lang="es-MX" dirty="0"/>
+            <a:t>Gerardo y Santi: </a:t>
           </a:r>
-          <a:endParaRPr lang="en-US"/>
+          <a:r>
+            <a:rPr lang="es-MX" dirty="0" err="1"/>
+            <a:t>main</a:t>
+          </a:r>
+          <a:r>
+            <a:rPr lang="es-MX" dirty="0"/>
+            <a:t> </a:t>
+          </a:r>
+          <a:r>
+            <a:rPr lang="es-MX" dirty="0" err="1"/>
+            <a:t>characte</a:t>
+          </a:r>
+          <a:r>
+            <a:rPr lang="es-MX" dirty="0"/>
+            <a:t>/</a:t>
+          </a:r>
+          <a:r>
+            <a:rPr lang="es-MX" dirty="0" err="1"/>
+            <a:t>background</a:t>
+          </a:r>
+          <a:endParaRPr lang="en-US" dirty="0"/>
         </a:p>
       </dgm:t>
     </dgm:pt>
@@ -1715,10 +1740,30 @@
             <a:buNone/>
           </a:pPr>
           <a:r>
-            <a:rPr lang="es-MX" sz="2000" kern="1200"/>
-            <a:t>Gerardo: main characte/background</a:t>
+            <a:rPr lang="es-MX" sz="2000" kern="1200" dirty="0"/>
+            <a:t>Gerardo y Santi: </a:t>
           </a:r>
-          <a:endParaRPr lang="en-US" sz="2000" kern="1200"/>
+          <a:r>
+            <a:rPr lang="es-MX" sz="2000" kern="1200" dirty="0" err="1"/>
+            <a:t>main</a:t>
+          </a:r>
+          <a:r>
+            <a:rPr lang="es-MX" sz="2000" kern="1200" dirty="0"/>
+            <a:t> </a:t>
+          </a:r>
+          <a:r>
+            <a:rPr lang="es-MX" sz="2000" kern="1200" dirty="0" err="1"/>
+            <a:t>characte</a:t>
+          </a:r>
+          <a:r>
+            <a:rPr lang="es-MX" sz="2000" kern="1200" dirty="0"/>
+            <a:t>/</a:t>
+          </a:r>
+          <a:r>
+            <a:rPr lang="es-MX" sz="2000" kern="1200" dirty="0" err="1"/>
+            <a:t>background</a:t>
+          </a:r>
+          <a:endParaRPr lang="en-US" sz="2000" kern="1200" dirty="0"/>
         </a:p>
       </dsp:txBody>
       <dsp:txXfrm>
@@ -3058,7 +3103,7 @@
           <a:p>
             <a:fld id="{76969C88-B244-455D-A017-012B25B1ACDD}" type="datetimeFigureOut">
               <a:rPr lang="en-US" smtClean="0"/>
-              <a:t>11/11/2024</a:t>
+              <a:t>11/12/2024</a:t>
             </a:fld>
             <a:endParaRPr lang="en-US"/>
           </a:p>
@@ -3256,7 +3301,7 @@
           <a:p>
             <a:fld id="{76969C88-B244-455D-A017-012B25B1ACDD}" type="datetimeFigureOut">
               <a:rPr lang="en-US" smtClean="0"/>
-              <a:t>11/11/2024</a:t>
+              <a:t>11/12/2024</a:t>
             </a:fld>
             <a:endParaRPr lang="en-US"/>
           </a:p>
@@ -3464,7 +3509,7 @@
           <a:p>
             <a:fld id="{76969C88-B244-455D-A017-012B25B1ACDD}" type="datetimeFigureOut">
               <a:rPr lang="en-US" smtClean="0"/>
-              <a:t>11/11/2024</a:t>
+              <a:t>11/12/2024</a:t>
             </a:fld>
             <a:endParaRPr lang="en-US"/>
           </a:p>
@@ -3663,7 +3708,7 @@
           <a:p>
             <a:fld id="{76969C88-B244-455D-A017-012B25B1ACDD}" type="datetimeFigureOut">
               <a:rPr lang="en-US" smtClean="0"/>
-              <a:t>11/11/2024</a:t>
+              <a:t>11/12/2024</a:t>
             </a:fld>
             <a:endParaRPr lang="en-US"/>
           </a:p>
@@ -3938,7 +3983,7 @@
           <a:p>
             <a:fld id="{76969C88-B244-455D-A017-012B25B1ACDD}" type="datetimeFigureOut">
               <a:rPr lang="en-US" smtClean="0"/>
-              <a:t>11/11/2024</a:t>
+              <a:t>11/12/2024</a:t>
             </a:fld>
             <a:endParaRPr lang="en-US"/>
           </a:p>
@@ -4203,7 +4248,7 @@
           <a:p>
             <a:fld id="{76969C88-B244-455D-A017-012B25B1ACDD}" type="datetimeFigureOut">
               <a:rPr lang="en-US" smtClean="0"/>
-              <a:t>11/11/2024</a:t>
+              <a:t>11/12/2024</a:t>
             </a:fld>
             <a:endParaRPr lang="en-US"/>
           </a:p>
@@ -4615,7 +4660,7 @@
           <a:p>
             <a:fld id="{76969C88-B244-455D-A017-012B25B1ACDD}" type="datetimeFigureOut">
               <a:rPr lang="en-US" smtClean="0"/>
-              <a:t>11/11/2024</a:t>
+              <a:t>11/12/2024</a:t>
             </a:fld>
             <a:endParaRPr lang="en-US"/>
           </a:p>
@@ -4756,7 +4801,7 @@
           <a:p>
             <a:fld id="{76969C88-B244-455D-A017-012B25B1ACDD}" type="datetimeFigureOut">
               <a:rPr lang="en-US" smtClean="0"/>
-              <a:t>11/11/2024</a:t>
+              <a:t>11/12/2024</a:t>
             </a:fld>
             <a:endParaRPr lang="en-US"/>
           </a:p>
@@ -4869,7 +4914,7 @@
           <a:p>
             <a:fld id="{76969C88-B244-455D-A017-012B25B1ACDD}" type="datetimeFigureOut">
               <a:rPr lang="en-US" smtClean="0"/>
-              <a:t>11/11/2024</a:t>
+              <a:t>11/12/2024</a:t>
             </a:fld>
             <a:endParaRPr lang="en-US"/>
           </a:p>
@@ -5181,7 +5226,7 @@
           <a:p>
             <a:fld id="{76969C88-B244-455D-A017-012B25B1ACDD}" type="datetimeFigureOut">
               <a:rPr lang="en-US" smtClean="0"/>
-              <a:t>11/11/2024</a:t>
+              <a:t>11/12/2024</a:t>
             </a:fld>
             <a:endParaRPr lang="en-US"/>
           </a:p>
@@ -5472,7 +5517,7 @@
           <a:p>
             <a:fld id="{76969C88-B244-455D-A017-012B25B1ACDD}" type="datetimeFigureOut">
               <a:rPr lang="en-US" smtClean="0"/>
-              <a:t>11/11/2024</a:t>
+              <a:t>11/12/2024</a:t>
             </a:fld>
             <a:endParaRPr lang="en-US"/>
           </a:p>
@@ -6228,7 +6273,7 @@
             <a:fld id="{76969C88-B244-455D-A017-012B25B1ACDD}" type="datetimeFigureOut">
               <a:rPr lang="en-US" smtClean="0"/>
               <a:pPr/>
-              <a:t>11/11/2024</a:t>
+              <a:t>11/12/2024</a:t>
             </a:fld>
             <a:endParaRPr lang="en-US"/>
           </a:p>
@@ -7585,7 +7630,7 @@
         </p:spPr>
         <p:txBody>
           <a:bodyPr vert="horz" lIns="91440" tIns="45720" rIns="91440" bIns="45720" rtlCol="0">
-            <a:normAutofit fontScale="92500" lnSpcReduction="10000"/>
+            <a:normAutofit fontScale="77500" lnSpcReduction="20000"/>
           </a:bodyPr>
           <a:lstStyle/>
           <a:p>
@@ -7654,6 +7699,16 @@
             <a:r>
               <a:rPr lang="en-US" dirty="0"/>
               <a:t> Solis</a:t>
+            </a:r>
+          </a:p>
+          <a:p>
+            <a:pPr indent="-228600" algn="l">
+              <a:buFont typeface="Arial" panose="020B0604020202020204" pitchFamily="34" charset="0"/>
+              <a:buChar char="•"/>
+            </a:pPr>
+            <a:r>
+              <a:rPr lang="en-US" dirty="0"/>
+              <a:t>Santiago Jimenez Quintero</a:t>
             </a:r>
           </a:p>
         </p:txBody>
@@ -9037,7 +9092,7 @@
             <p:ph idx="1"/>
             <p:extLst>
               <p:ext uri="{D42A27DB-BD31-4B8C-83A1-F6EECF244321}">
-                <p14:modId xmlns:p14="http://schemas.microsoft.com/office/powerpoint/2010/main" val="1985199640"/>
+                <p14:modId xmlns:p14="http://schemas.microsoft.com/office/powerpoint/2010/main" val="3308564026"/>
               </p:ext>
             </p:extLst>
           </p:nvPr>
